--- a/Planning/Persona's /Proto-personas - Gym Owner.pptx
+++ b/Planning/Persona's /Proto-personas - Gym Owner.pptx
@@ -242,6 +242,11 @@
       </a:defRPr>
     </a:lvl9pPr>
   </p:defaultTextStyle>
+  <p:extLst>
+    <p:ext uri="{EFAFB233-063F-42B5-8137-9DF3F51BA10A}">
+      <p15:sldGuideLst xmlns:p15="http://schemas.microsoft.com/office/powerpoint/2012/main"/>
+    </p:ext>
+  </p:extLst>
 </p:presentation>
 </file>
 
@@ -6174,56 +6179,6 @@
           <a:chExt cx="0" cy="0"/>
         </a:xfrm>
       </p:grpSpPr>
-      <p:sp>
-        <p:nvSpPr>
-          <p:cNvPr id="60" name="Shape 60"/>
-          <p:cNvSpPr/>
-          <p:nvPr/>
-        </p:nvSpPr>
-        <p:spPr>
-          <a:xfrm>
-            <a:off x="175350" y="165600"/>
-            <a:ext cx="1607400" cy="1928700"/>
-          </a:xfrm>
-          <a:prstGeom prst="rect">
-            <a:avLst/>
-          </a:prstGeom>
-          <a:solidFill>
-            <a:srgbClr val="EEEEEE"/>
-          </a:solidFill>
-          <a:ln w="9525" cap="flat" cmpd="sng">
-            <a:solidFill>
-              <a:srgbClr val="595959"/>
-            </a:solidFill>
-            <a:prstDash val="solid"/>
-            <a:round/>
-            <a:headEnd type="none" w="sm" len="sm"/>
-            <a:tailEnd type="none" w="sm" len="sm"/>
-          </a:ln>
-        </p:spPr>
-        <p:txBody>
-          <a:bodyPr spcFirstLastPara="1" wrap="square" lIns="91425" tIns="91425" rIns="91425" bIns="91425" anchor="t" anchorCtr="0">
-            <a:noAutofit/>
-          </a:bodyPr>
-          <a:lstStyle/>
-          <a:p>
-            <a:pPr marL="0" lvl="0" indent="0" rtl="0">
-              <a:spcBef>
-                <a:spcPts val="0"/>
-              </a:spcBef>
-              <a:spcAft>
-                <a:spcPts val="0"/>
-              </a:spcAft>
-              <a:buNone/>
-            </a:pPr>
-            <a:r>
-              <a:rPr lang="en-GB"/>
-              <a:t>Replace this with your image or drawing after you print</a:t>
-            </a:r>
-            <a:endParaRPr/>
-          </a:p>
-        </p:txBody>
-      </p:sp>
       <p:cxnSp>
         <p:nvCxnSpPr>
           <p:cNvPr id="61" name="Shape 61"/>
@@ -6398,8 +6353,53 @@
             </a:pPr>
             <a:r>
               <a:rPr lang="en-GB" sz="1200" dirty="0"/>
-              <a:t>Self-employed PT and owner of gym</a:t>
+              <a:t>Owner of the gym</a:t>
             </a:r>
+          </a:p>
+          <a:p>
+            <a:pPr marL="457200" lvl="0" indent="-304800" rtl="0">
+              <a:spcBef>
+                <a:spcPts val="0"/>
+              </a:spcBef>
+              <a:spcAft>
+                <a:spcPts val="0"/>
+              </a:spcAft>
+              <a:buSzPts val="1200"/>
+              <a:buChar char="●"/>
+            </a:pPr>
+            <a:r>
+              <a:rPr lang="en-GB" sz="1200" dirty="0"/>
+              <a:t>Single</a:t>
+            </a:r>
+          </a:p>
+          <a:p>
+            <a:pPr marL="457200" lvl="0" indent="-304800" rtl="0">
+              <a:spcBef>
+                <a:spcPts val="0"/>
+              </a:spcBef>
+              <a:spcAft>
+                <a:spcPts val="0"/>
+              </a:spcAft>
+              <a:buSzPts val="1200"/>
+              <a:buChar char="●"/>
+            </a:pPr>
+            <a:r>
+              <a:rPr lang="en-GB" sz="1200" dirty="0"/>
+              <a:t>Lives alone</a:t>
+            </a:r>
+          </a:p>
+          <a:p>
+            <a:pPr marL="457200" lvl="0" indent="-304800" rtl="0">
+              <a:spcBef>
+                <a:spcPts val="0"/>
+              </a:spcBef>
+              <a:spcAft>
+                <a:spcPts val="0"/>
+              </a:spcAft>
+              <a:buSzPts val="1200"/>
+              <a:buChar char="●"/>
+            </a:pPr>
+            <a:endParaRPr lang="en-GB" sz="1200" dirty="0"/>
           </a:p>
           <a:p>
             <a:pPr marL="457200" lvl="0" indent="-304800" rtl="0">
@@ -6623,11 +6623,23 @@
             </a:pPr>
             <a:r>
               <a:rPr lang="en-GB" sz="1200" dirty="0"/>
-              <a:t>Works long hours at </a:t>
+              <a:t>Works long hours at the gym</a:t>
             </a:r>
+          </a:p>
+          <a:p>
+            <a:pPr marL="457200" lvl="0" indent="-304800" rtl="0">
+              <a:spcBef>
+                <a:spcPts val="0"/>
+              </a:spcBef>
+              <a:spcAft>
+                <a:spcPts val="0"/>
+              </a:spcAft>
+              <a:buSzPts val="1200"/>
+              <a:buChar char="●"/>
+            </a:pPr>
             <a:r>
-              <a:rPr lang="en-GB" sz="1200"/>
-              <a:t>the gym</a:t>
+              <a:rPr lang="en-GB" sz="1200" dirty="0"/>
+              <a:t>Always busy </a:t>
             </a:r>
           </a:p>
           <a:p>
@@ -6687,6 +6699,36 @@
           </a:p>
         </p:txBody>
       </p:sp>
+      <p:pic>
+        <p:nvPicPr>
+          <p:cNvPr id="3" name="Picture 2">
+            <a:extLst>
+              <a:ext uri="{FF2B5EF4-FFF2-40B4-BE49-F238E27FC236}">
+                <a16:creationId xmlns:a16="http://schemas.microsoft.com/office/drawing/2014/main" id="{7DB463F9-D409-0544-BA77-FAE7E896E783}"/>
+              </a:ext>
+            </a:extLst>
+          </p:cNvPr>
+          <p:cNvPicPr>
+            <a:picLocks noChangeAspect="1"/>
+          </p:cNvPicPr>
+          <p:nvPr/>
+        </p:nvPicPr>
+        <p:blipFill>
+          <a:blip r:embed="rId3"/>
+          <a:stretch>
+            <a:fillRect/>
+          </a:stretch>
+        </p:blipFill>
+        <p:spPr>
+          <a:xfrm>
+            <a:off x="281582" y="1387241"/>
+            <a:ext cx="2916529" cy="1745616"/>
+          </a:xfrm>
+          <a:prstGeom prst="rect">
+            <a:avLst/>
+          </a:prstGeom>
+        </p:spPr>
+      </p:pic>
     </p:spTree>
   </p:cSld>
   <p:clrMapOvr>
